--- a/plots/pinball_loss_plot.pptx
+++ b/plots/pinball_loss_plot.pptx
@@ -104,6 +104,11 @@
       </a:defRPr>
     </a:lvl9pPr>
   </p:defaultTextStyle>
+  <p:extLst>
+    <p:ext uri="{EFAFB233-063F-42B5-8137-9DF3F51BA10A}">
+      <p15:sldGuideLst xmlns:p15="http://schemas.microsoft.com/office/powerpoint/2012/main"/>
+    </p:ext>
+  </p:extLst>
 </p:presentation>
 </file>
 
@@ -256,7 +261,7 @@
           <a:p>
             <a:fld id="{32784079-C800-F648-99DF-86673C34A9D0}" type="datetimeFigureOut">
               <a:rPr lang="en-IT" smtClean="0"/>
-              <a:t>09/04/24</a:t>
+              <a:t>18/04/24</a:t>
             </a:fld>
             <a:endParaRPr lang="en-IT"/>
           </a:p>
@@ -456,7 +461,7 @@
           <a:p>
             <a:fld id="{32784079-C800-F648-99DF-86673C34A9D0}" type="datetimeFigureOut">
               <a:rPr lang="en-IT" smtClean="0"/>
-              <a:t>09/04/24</a:t>
+              <a:t>18/04/24</a:t>
             </a:fld>
             <a:endParaRPr lang="en-IT"/>
           </a:p>
@@ -666,7 +671,7 @@
           <a:p>
             <a:fld id="{32784079-C800-F648-99DF-86673C34A9D0}" type="datetimeFigureOut">
               <a:rPr lang="en-IT" smtClean="0"/>
-              <a:t>09/04/24</a:t>
+              <a:t>18/04/24</a:t>
             </a:fld>
             <a:endParaRPr lang="en-IT"/>
           </a:p>
@@ -866,7 +871,7 @@
           <a:p>
             <a:fld id="{32784079-C800-F648-99DF-86673C34A9D0}" type="datetimeFigureOut">
               <a:rPr lang="en-IT" smtClean="0"/>
-              <a:t>09/04/24</a:t>
+              <a:t>18/04/24</a:t>
             </a:fld>
             <a:endParaRPr lang="en-IT"/>
           </a:p>
@@ -1142,7 +1147,7 @@
           <a:p>
             <a:fld id="{32784079-C800-F648-99DF-86673C34A9D0}" type="datetimeFigureOut">
               <a:rPr lang="en-IT" smtClean="0"/>
-              <a:t>09/04/24</a:t>
+              <a:t>18/04/24</a:t>
             </a:fld>
             <a:endParaRPr lang="en-IT"/>
           </a:p>
@@ -1410,7 +1415,7 @@
           <a:p>
             <a:fld id="{32784079-C800-F648-99DF-86673C34A9D0}" type="datetimeFigureOut">
               <a:rPr lang="en-IT" smtClean="0"/>
-              <a:t>09/04/24</a:t>
+              <a:t>18/04/24</a:t>
             </a:fld>
             <a:endParaRPr lang="en-IT"/>
           </a:p>
@@ -1825,7 +1830,7 @@
           <a:p>
             <a:fld id="{32784079-C800-F648-99DF-86673C34A9D0}" type="datetimeFigureOut">
               <a:rPr lang="en-IT" smtClean="0"/>
-              <a:t>09/04/24</a:t>
+              <a:t>18/04/24</a:t>
             </a:fld>
             <a:endParaRPr lang="en-IT"/>
           </a:p>
@@ -1967,7 +1972,7 @@
           <a:p>
             <a:fld id="{32784079-C800-F648-99DF-86673C34A9D0}" type="datetimeFigureOut">
               <a:rPr lang="en-IT" smtClean="0"/>
-              <a:t>09/04/24</a:t>
+              <a:t>18/04/24</a:t>
             </a:fld>
             <a:endParaRPr lang="en-IT"/>
           </a:p>
@@ -2080,7 +2085,7 @@
           <a:p>
             <a:fld id="{32784079-C800-F648-99DF-86673C34A9D0}" type="datetimeFigureOut">
               <a:rPr lang="en-IT" smtClean="0"/>
-              <a:t>09/04/24</a:t>
+              <a:t>18/04/24</a:t>
             </a:fld>
             <a:endParaRPr lang="en-IT"/>
           </a:p>
@@ -2393,7 +2398,7 @@
           <a:p>
             <a:fld id="{32784079-C800-F648-99DF-86673C34A9D0}" type="datetimeFigureOut">
               <a:rPr lang="en-IT" smtClean="0"/>
-              <a:t>09/04/24</a:t>
+              <a:t>18/04/24</a:t>
             </a:fld>
             <a:endParaRPr lang="en-IT"/>
           </a:p>
@@ -2682,7 +2687,7 @@
           <a:p>
             <a:fld id="{32784079-C800-F648-99DF-86673C34A9D0}" type="datetimeFigureOut">
               <a:rPr lang="en-IT" smtClean="0"/>
-              <a:t>09/04/24</a:t>
+              <a:t>18/04/24</a:t>
             </a:fld>
             <a:endParaRPr lang="en-IT"/>
           </a:p>
@@ -2925,7 +2930,7 @@
           <a:p>
             <a:fld id="{32784079-C800-F648-99DF-86673C34A9D0}" type="datetimeFigureOut">
               <a:rPr lang="en-IT" smtClean="0"/>
-              <a:t>09/04/24</a:t>
+              <a:t>18/04/24</a:t>
             </a:fld>
             <a:endParaRPr lang="en-IT"/>
           </a:p>
@@ -3690,7 +3695,7 @@
             <p:spPr>
               <a:xfrm>
                 <a:off x="5226911" y="745310"/>
-                <a:ext cx="1002454" cy="369332"/>
+                <a:ext cx="999120" cy="390748"/>
               </a:xfrm>
               <a:prstGeom prst="rect">
                 <a:avLst/>
@@ -3703,6 +3708,7 @@
               </a:bodyPr>
               <a:lstStyle/>
               <a:p>
+                <a:pPr/>
                 <a14:m>
                   <m:oMathPara xmlns:m="http://schemas.openxmlformats.org/officeDocument/2006/math">
                     <m:oMathParaPr>
@@ -3714,6 +3720,7 @@
                           <m:ctrlPr>
                             <a:rPr lang="en-IT" i="1" smtClean="0">
                               <a:latin typeface="Cambria Math" panose="02040503050406030204" pitchFamily="18" charset="0"/>
+                              <a:ea typeface="Cambria Math" panose="02040503050406030204" pitchFamily="18" charset="0"/>
                             </a:rPr>
                           </m:ctrlPr>
                         </m:sSubPr>
@@ -3722,17 +3729,20 @@
                             <m:rPr>
                               <m:nor/>
                             </m:rPr>
-                            <a:rPr lang="en-IT" dirty="0" smtClean="0"/>
+                            <a:rPr lang="en-IT" dirty="0" smtClean="0">
+                              <a:latin typeface="Cambria Math" panose="02040503050406030204" pitchFamily="18" charset="0"/>
+                              <a:ea typeface="Cambria Math" panose="02040503050406030204" pitchFamily="18" charset="0"/>
+                            </a:rPr>
                             <m:t>⍴</m:t>
                           </m:r>
                         </m:e>
                         <m:sub>
                           <m:r>
-                            <m:rPr>
-                              <m:nor/>
-                            </m:rPr>
-                            <a:rPr lang="en-IT" dirty="0" smtClean="0"/>
-                            <m:t>𝜏</m:t>
+                            <a:rPr lang="en-US" b="0" i="1" dirty="0" smtClean="0">
+                              <a:latin typeface="Cambria Math" panose="02040503050406030204" pitchFamily="18" charset="0"/>
+                              <a:ea typeface="Cambria Math" panose="02040503050406030204" pitchFamily="18" charset="0"/>
+                            </a:rPr>
+                            <m:t>𝑞</m:t>
                           </m:r>
                         </m:sub>
                       </m:sSub>
@@ -3792,7 +3802,7 @@
             <p:spPr>
               <a:xfrm>
                 <a:off x="5226911" y="745310"/>
-                <a:ext cx="1002454" cy="369332"/>
+                <a:ext cx="999120" cy="390748"/>
               </a:xfrm>
               <a:prstGeom prst="rect">
                 <a:avLst/>
@@ -3800,7 +3810,7 @@
               <a:blipFill>
                 <a:blip r:embed="rId2"/>
                 <a:stretch>
-                  <a:fillRect b="-16667"/>
+                  <a:fillRect b="-9375"/>
                 </a:stretch>
               </a:blipFill>
             </p:spPr>
@@ -3834,7 +3844,7 @@
         <p:spPr>
           <a:xfrm>
             <a:off x="7120758" y="4060587"/>
-            <a:ext cx="290464" cy="369332"/>
+            <a:ext cx="311304" cy="369332"/>
           </a:xfrm>
           <a:prstGeom prst="rect">
             <a:avLst/>
@@ -3852,7 +3862,7 @@
                 <a:latin typeface="Cambria Math" panose="02040503050406030204" pitchFamily="18" charset="0"/>
                 <a:ea typeface="Cambria Math" panose="02040503050406030204" pitchFamily="18" charset="0"/>
               </a:rPr>
-              <a:t>𝜏</a:t>
+              <a:t>q</a:t>
             </a:r>
           </a:p>
         </p:txBody>
@@ -3894,7 +3904,7 @@
                 <a:latin typeface="Cambria Math" panose="02040503050406030204" pitchFamily="18" charset="0"/>
                 <a:ea typeface="Cambria Math" panose="02040503050406030204" pitchFamily="18" charset="0"/>
               </a:rPr>
-              <a:t>𝜏 -1</a:t>
+              <a:t>q -1</a:t>
             </a:r>
           </a:p>
         </p:txBody>

--- a/plots/pinball_loss_plot.pptx
+++ b/plots/pinball_loss_plot.pptx
@@ -261,7 +261,7 @@
           <a:p>
             <a:fld id="{32784079-C800-F648-99DF-86673C34A9D0}" type="datetimeFigureOut">
               <a:rPr lang="en-IT" smtClean="0"/>
-              <a:t>18/04/24</a:t>
+              <a:t>20/04/24</a:t>
             </a:fld>
             <a:endParaRPr lang="en-IT"/>
           </a:p>
@@ -461,7 +461,7 @@
           <a:p>
             <a:fld id="{32784079-C800-F648-99DF-86673C34A9D0}" type="datetimeFigureOut">
               <a:rPr lang="en-IT" smtClean="0"/>
-              <a:t>18/04/24</a:t>
+              <a:t>20/04/24</a:t>
             </a:fld>
             <a:endParaRPr lang="en-IT"/>
           </a:p>
@@ -671,7 +671,7 @@
           <a:p>
             <a:fld id="{32784079-C800-F648-99DF-86673C34A9D0}" type="datetimeFigureOut">
               <a:rPr lang="en-IT" smtClean="0"/>
-              <a:t>18/04/24</a:t>
+              <a:t>20/04/24</a:t>
             </a:fld>
             <a:endParaRPr lang="en-IT"/>
           </a:p>
@@ -871,7 +871,7 @@
           <a:p>
             <a:fld id="{32784079-C800-F648-99DF-86673C34A9D0}" type="datetimeFigureOut">
               <a:rPr lang="en-IT" smtClean="0"/>
-              <a:t>18/04/24</a:t>
+              <a:t>20/04/24</a:t>
             </a:fld>
             <a:endParaRPr lang="en-IT"/>
           </a:p>
@@ -1147,7 +1147,7 @@
           <a:p>
             <a:fld id="{32784079-C800-F648-99DF-86673C34A9D0}" type="datetimeFigureOut">
               <a:rPr lang="en-IT" smtClean="0"/>
-              <a:t>18/04/24</a:t>
+              <a:t>20/04/24</a:t>
             </a:fld>
             <a:endParaRPr lang="en-IT"/>
           </a:p>
@@ -1415,7 +1415,7 @@
           <a:p>
             <a:fld id="{32784079-C800-F648-99DF-86673C34A9D0}" type="datetimeFigureOut">
               <a:rPr lang="en-IT" smtClean="0"/>
-              <a:t>18/04/24</a:t>
+              <a:t>20/04/24</a:t>
             </a:fld>
             <a:endParaRPr lang="en-IT"/>
           </a:p>
@@ -1830,7 +1830,7 @@
           <a:p>
             <a:fld id="{32784079-C800-F648-99DF-86673C34A9D0}" type="datetimeFigureOut">
               <a:rPr lang="en-IT" smtClean="0"/>
-              <a:t>18/04/24</a:t>
+              <a:t>20/04/24</a:t>
             </a:fld>
             <a:endParaRPr lang="en-IT"/>
           </a:p>
@@ -1972,7 +1972,7 @@
           <a:p>
             <a:fld id="{32784079-C800-F648-99DF-86673C34A9D0}" type="datetimeFigureOut">
               <a:rPr lang="en-IT" smtClean="0"/>
-              <a:t>18/04/24</a:t>
+              <a:t>20/04/24</a:t>
             </a:fld>
             <a:endParaRPr lang="en-IT"/>
           </a:p>
@@ -2085,7 +2085,7 @@
           <a:p>
             <a:fld id="{32784079-C800-F648-99DF-86673C34A9D0}" type="datetimeFigureOut">
               <a:rPr lang="en-IT" smtClean="0"/>
-              <a:t>18/04/24</a:t>
+              <a:t>20/04/24</a:t>
             </a:fld>
             <a:endParaRPr lang="en-IT"/>
           </a:p>
@@ -2398,7 +2398,7 @@
           <a:p>
             <a:fld id="{32784079-C800-F648-99DF-86673C34A9D0}" type="datetimeFigureOut">
               <a:rPr lang="en-IT" smtClean="0"/>
-              <a:t>18/04/24</a:t>
+              <a:t>20/04/24</a:t>
             </a:fld>
             <a:endParaRPr lang="en-IT"/>
           </a:p>
@@ -2687,7 +2687,7 @@
           <a:p>
             <a:fld id="{32784079-C800-F648-99DF-86673C34A9D0}" type="datetimeFigureOut">
               <a:rPr lang="en-IT" smtClean="0"/>
-              <a:t>18/04/24</a:t>
+              <a:t>20/04/24</a:t>
             </a:fld>
             <a:endParaRPr lang="en-IT"/>
           </a:p>
@@ -2930,7 +2930,7 @@
           <a:p>
             <a:fld id="{32784079-C800-F648-99DF-86673C34A9D0}" type="datetimeFigureOut">
               <a:rPr lang="en-IT" smtClean="0"/>
-              <a:t>18/04/24</a:t>
+              <a:t>20/04/24</a:t>
             </a:fld>
             <a:endParaRPr lang="en-IT"/>
           </a:p>
@@ -3547,49 +3547,109 @@
                 <a:latin typeface="Cambria Math" panose="02040503050406030204" pitchFamily="18" charset="0"/>
                 <a:ea typeface="Cambria Math" panose="02040503050406030204" pitchFamily="18" charset="0"/>
               </a:rPr>
-              <a:t>z</a:t>
-            </a:r>
-          </a:p>
-        </p:txBody>
-      </p:sp>
-      <p:sp>
-        <p:nvSpPr>
-          <p:cNvPr id="26" name="TextBox 25">
-            <a:extLst>
-              <a:ext uri="{FF2B5EF4-FFF2-40B4-BE49-F238E27FC236}">
-                <a16:creationId xmlns:a16="http://schemas.microsoft.com/office/drawing/2014/main" id="{455CA6AB-EA7B-3FA3-98CE-2EB72FB0A214}"/>
-              </a:ext>
-            </a:extLst>
-          </p:cNvPr>
-          <p:cNvSpPr txBox="1"/>
-          <p:nvPr/>
-        </p:nvSpPr>
-        <p:spPr>
-          <a:xfrm>
-            <a:off x="8429297" y="4851103"/>
-            <a:ext cx="301686" cy="369332"/>
-          </a:xfrm>
-          <a:prstGeom prst="rect">
-            <a:avLst/>
-          </a:prstGeom>
-          <a:noFill/>
-        </p:spPr>
-        <p:txBody>
-          <a:bodyPr wrap="none" rtlCol="0">
-            <a:spAutoFit/>
-          </a:bodyPr>
-          <a:lstStyle/>
-          <a:p>
-            <a:r>
-              <a:rPr lang="en-IT" dirty="0">
-                <a:latin typeface="Cambria Math" panose="02040503050406030204" pitchFamily="18" charset="0"/>
-                <a:ea typeface="Cambria Math" panose="02040503050406030204" pitchFamily="18" charset="0"/>
-              </a:rPr>
-              <a:t>y</a:t>
-            </a:r>
-          </a:p>
-        </p:txBody>
-      </p:sp>
+              <a:t>0</a:t>
+            </a:r>
+          </a:p>
+        </p:txBody>
+      </p:sp>
+      <mc:AlternateContent xmlns:mc="http://schemas.openxmlformats.org/markup-compatibility/2006">
+        <mc:Choice xmlns:a14="http://schemas.microsoft.com/office/drawing/2010/main" Requires="a14">
+          <p:sp>
+            <p:nvSpPr>
+              <p:cNvPr id="26" name="TextBox 25">
+                <a:extLst>
+                  <a:ext uri="{FF2B5EF4-FFF2-40B4-BE49-F238E27FC236}">
+                    <a16:creationId xmlns:a16="http://schemas.microsoft.com/office/drawing/2014/main" id="{455CA6AB-EA7B-3FA3-98CE-2EB72FB0A214}"/>
+                  </a:ext>
+                </a:extLst>
+              </p:cNvPr>
+              <p:cNvSpPr txBox="1"/>
+              <p:nvPr/>
+            </p:nvSpPr>
+            <p:spPr>
+              <a:xfrm>
+                <a:off x="8429297" y="4851103"/>
+                <a:ext cx="374846" cy="369332"/>
+              </a:xfrm>
+              <a:prstGeom prst="rect">
+                <a:avLst/>
+              </a:prstGeom>
+              <a:noFill/>
+            </p:spPr>
+            <p:txBody>
+              <a:bodyPr wrap="none" rtlCol="0">
+                <a:spAutoFit/>
+              </a:bodyPr>
+              <a:lstStyle/>
+              <a:p>
+                <a14:m>
+                  <m:oMathPara xmlns:m="http://schemas.openxmlformats.org/officeDocument/2006/math">
+                    <m:oMathParaPr>
+                      <m:jc m:val="centerGroup"/>
+                    </m:oMathParaPr>
+                    <m:oMath xmlns:m="http://schemas.openxmlformats.org/officeDocument/2006/math">
+                      <m:r>
+                        <a:rPr lang="en-US" b="0" i="1" smtClean="0">
+                          <a:latin typeface="Cambria Math" panose="02040503050406030204" pitchFamily="18" charset="0"/>
+                        </a:rPr>
+                        <m:t>𝑢</m:t>
+                      </m:r>
+                    </m:oMath>
+                  </m:oMathPara>
+                </a14:m>
+                <a:endParaRPr lang="en-IT" i="1" dirty="0">
+                  <a:latin typeface="Cambria Math" panose="02040503050406030204" pitchFamily="18" charset="0"/>
+                  <a:ea typeface="Cambria Math" panose="02040503050406030204" pitchFamily="18" charset="0"/>
+                </a:endParaRPr>
+              </a:p>
+            </p:txBody>
+          </p:sp>
+        </mc:Choice>
+        <mc:Fallback>
+          <p:sp>
+            <p:nvSpPr>
+              <p:cNvPr id="26" name="TextBox 25">
+                <a:extLst>
+                  <a:ext uri="{FF2B5EF4-FFF2-40B4-BE49-F238E27FC236}">
+                    <a16:creationId xmlns:a16="http://schemas.microsoft.com/office/drawing/2014/main" id="{455CA6AB-EA7B-3FA3-98CE-2EB72FB0A214}"/>
+                  </a:ext>
+                </a:extLst>
+              </p:cNvPr>
+              <p:cNvSpPr txBox="1">
+                <a:spLocks noRot="1" noChangeAspect="1" noMove="1" noResize="1" noEditPoints="1" noAdjustHandles="1" noChangeArrowheads="1" noChangeShapeType="1" noTextEdit="1"/>
+              </p:cNvSpPr>
+              <p:nvPr/>
+            </p:nvSpPr>
+            <p:spPr>
+              <a:xfrm>
+                <a:off x="8429297" y="4851103"/>
+                <a:ext cx="374846" cy="369332"/>
+              </a:xfrm>
+              <a:prstGeom prst="rect">
+                <a:avLst/>
+              </a:prstGeom>
+              <a:blipFill>
+                <a:blip r:embed="rId2"/>
+                <a:stretch>
+                  <a:fillRect/>
+                </a:stretch>
+              </a:blipFill>
+            </p:spPr>
+            <p:txBody>
+              <a:bodyPr/>
+              <a:lstStyle/>
+              <a:p>
+                <a:r>
+                  <a:rPr lang="en-IT">
+                    <a:noFill/>
+                  </a:rPr>
+                  <a:t> </a:t>
+                </a:r>
+              </a:p>
+            </p:txBody>
+          </p:sp>
+        </mc:Fallback>
+      </mc:AlternateContent>
       <p:cxnSp>
         <p:nvCxnSpPr>
           <p:cNvPr id="28" name="Straight Arrow Connector 27">
@@ -3695,7 +3755,7 @@
             <p:spPr>
               <a:xfrm>
                 <a:off x="5226911" y="745310"/>
-                <a:ext cx="999120" cy="390748"/>
+                <a:ext cx="801438" cy="390748"/>
               </a:xfrm>
               <a:prstGeom prst="rect">
                 <a:avLst/>
@@ -3756,19 +3816,7 @@
                         <a:rPr lang="en-US" b="0" i="1" smtClean="0">
                           <a:latin typeface="Cambria Math" panose="02040503050406030204" pitchFamily="18" charset="0"/>
                         </a:rPr>
-                        <m:t>𝑦</m:t>
-                      </m:r>
-                      <m:r>
-                        <a:rPr lang="en-US" b="0" i="1" smtClean="0">
-                          <a:latin typeface="Cambria Math" panose="02040503050406030204" pitchFamily="18" charset="0"/>
-                        </a:rPr>
-                        <m:t>,</m:t>
-                      </m:r>
-                      <m:r>
-                        <a:rPr lang="en-US" b="0" i="1" smtClean="0">
-                          <a:latin typeface="Cambria Math" panose="02040503050406030204" pitchFamily="18" charset="0"/>
-                        </a:rPr>
-                        <m:t>𝑧</m:t>
+                        <m:t>𝑢</m:t>
                       </m:r>
                       <m:r>
                         <a:rPr lang="en-US" b="0" i="1" smtClean="0">
@@ -3802,13 +3850,13 @@
             <p:spPr>
               <a:xfrm>
                 <a:off x="5226911" y="745310"/>
-                <a:ext cx="999120" cy="390748"/>
+                <a:ext cx="801438" cy="390748"/>
               </a:xfrm>
               <a:prstGeom prst="rect">
                 <a:avLst/>
               </a:prstGeom>
               <a:blipFill>
-                <a:blip r:embed="rId2"/>
+                <a:blip r:embed="rId3"/>
                 <a:stretch>
                   <a:fillRect b="-9375"/>
                 </a:stretch>
